--- a/Section 6 Networks 2.pptx
+++ b/Section 6 Networks 2.pptx
@@ -120,6 +120,11 @@
       </a:defRPr>
     </a:lvl9pPr>
   </p:defaultTextStyle>
+  <p:extLst>
+    <p:ext uri="{EFAFB233-063F-42B5-8137-9DF3F51BA10A}">
+      <p15:sldGuideLst xmlns:p15="http://schemas.microsoft.com/office/powerpoint/2012/main"/>
+    </p:ext>
+  </p:extLst>
 </p:presentation>
 </file>
 
@@ -205,7 +210,7 @@
           <a:p>
             <a:fld id="{8D74FAE2-E3B0-4951-A264-616149D7FE4C}" type="datetimeFigureOut">
               <a:rPr lang="en-US" smtClean="0"/>
-              <a:t>3/16/2022</a:t>
+              <a:t>3/26/2022</a:t>
             </a:fld>
             <a:endParaRPr lang="en-US"/>
           </a:p>
@@ -619,7 +624,7 @@
           <a:p>
             <a:fld id="{5310CF5E-A40B-434B-AF6C-0FEF962B7C1A}" type="datetime1">
               <a:rPr lang="en-US" smtClean="0"/>
-              <a:t>3/16/2022</a:t>
+              <a:t>3/26/2022</a:t>
             </a:fld>
             <a:endParaRPr lang="en-US"/>
           </a:p>
@@ -817,7 +822,7 @@
           <a:p>
             <a:fld id="{A168A61C-6476-459B-A77C-5820608A3E24}" type="datetime1">
               <a:rPr lang="en-US" smtClean="0"/>
-              <a:t>3/16/2022</a:t>
+              <a:t>3/26/2022</a:t>
             </a:fld>
             <a:endParaRPr lang="en-US"/>
           </a:p>
@@ -1025,7 +1030,7 @@
           <a:p>
             <a:fld id="{3AA7EE0E-7670-4554-BA5B-EAD286D7222C}" type="datetime1">
               <a:rPr lang="en-US" smtClean="0"/>
-              <a:t>3/16/2022</a:t>
+              <a:t>3/26/2022</a:t>
             </a:fld>
             <a:endParaRPr lang="en-US"/>
           </a:p>
@@ -1223,7 +1228,7 @@
           <a:p>
             <a:fld id="{C0FAE9A0-6919-46F9-A274-036017E5E5C4}" type="datetime1">
               <a:rPr lang="en-US" smtClean="0"/>
-              <a:t>3/16/2022</a:t>
+              <a:t>3/26/2022</a:t>
             </a:fld>
             <a:endParaRPr lang="en-US"/>
           </a:p>
@@ -1498,7 +1503,7 @@
           <a:p>
             <a:fld id="{6931E7EB-E953-40F0-A1E4-065E05B03EA7}" type="datetime1">
               <a:rPr lang="en-US" smtClean="0"/>
-              <a:t>3/16/2022</a:t>
+              <a:t>3/26/2022</a:t>
             </a:fld>
             <a:endParaRPr lang="en-US"/>
           </a:p>
@@ -1763,7 +1768,7 @@
           <a:p>
             <a:fld id="{88F342B2-EA4C-425E-87D9-55DFEB34ADDD}" type="datetime1">
               <a:rPr lang="en-US" smtClean="0"/>
-              <a:t>3/16/2022</a:t>
+              <a:t>3/26/2022</a:t>
             </a:fld>
             <a:endParaRPr lang="en-US"/>
           </a:p>
@@ -2175,7 +2180,7 @@
           <a:p>
             <a:fld id="{221A19D7-8FCC-4D4B-870B-D7FAC6F70801}" type="datetime1">
               <a:rPr lang="en-US" smtClean="0"/>
-              <a:t>3/16/2022</a:t>
+              <a:t>3/26/2022</a:t>
             </a:fld>
             <a:endParaRPr lang="en-US"/>
           </a:p>
@@ -2316,7 +2321,7 @@
           <a:p>
             <a:fld id="{D4F207C5-EA51-4330-87B8-F609C049AA94}" type="datetime1">
               <a:rPr lang="en-US" smtClean="0"/>
-              <a:t>3/16/2022</a:t>
+              <a:t>3/26/2022</a:t>
             </a:fld>
             <a:endParaRPr lang="en-US"/>
           </a:p>
@@ -2429,7 +2434,7 @@
           <a:p>
             <a:fld id="{791138A5-452F-41C0-859C-D653F65FE62F}" type="datetime1">
               <a:rPr lang="en-US" smtClean="0"/>
-              <a:t>3/16/2022</a:t>
+              <a:t>3/26/2022</a:t>
             </a:fld>
             <a:endParaRPr lang="en-US"/>
           </a:p>
@@ -2740,7 +2745,7 @@
           <a:p>
             <a:fld id="{36F6330B-B19F-4EFC-BA1D-70F120496F82}" type="datetime1">
               <a:rPr lang="en-US" smtClean="0"/>
-              <a:t>3/16/2022</a:t>
+              <a:t>3/26/2022</a:t>
             </a:fld>
             <a:endParaRPr lang="en-US"/>
           </a:p>
@@ -3028,7 +3033,7 @@
           <a:p>
             <a:fld id="{2E91E65D-23C5-4A47-82E6-E2EC03AD85F6}" type="datetime1">
               <a:rPr lang="en-US" smtClean="0"/>
-              <a:t>3/16/2022</a:t>
+              <a:t>3/26/2022</a:t>
             </a:fld>
             <a:endParaRPr lang="en-US"/>
           </a:p>
@@ -3269,7 +3274,7 @@
           <a:p>
             <a:fld id="{6350488D-5F1D-4FEA-B804-D79BE5912FB5}" type="datetime1">
               <a:rPr lang="en-US" smtClean="0"/>
-              <a:t>3/16/2022</a:t>
+              <a:t>3/26/2022</a:t>
             </a:fld>
             <a:endParaRPr lang="en-US"/>
           </a:p>
@@ -3774,7 +3779,7 @@
           <a:p>
             <a:fld id="{825BF455-0AF9-4009-B000-49C2344EC191}" type="datetime1">
               <a:rPr lang="en-US" smtClean="0"/>
-              <a:t>3/16/2022</a:t>
+              <a:t>3/26/2022</a:t>
             </a:fld>
             <a:endParaRPr lang="en-US"/>
           </a:p>
@@ -3907,7 +3912,27 @@
                 <a:effectLst/>
                 <a:latin typeface="Times New Roman" panose="02020603050405020304" pitchFamily="18" charset="0"/>
               </a:rPr>
-              <a:t> the most poplar person</a:t>
+              <a:t> the most poplar </a:t>
+            </a:r>
+            <a:r>
+              <a:rPr lang="en-US" altLang="zh-CN" sz="2400" b="1" i="0" dirty="0">
+                <a:solidFill>
+                  <a:srgbClr val="000000"/>
+                </a:solidFill>
+                <a:effectLst/>
+                <a:latin typeface="Times New Roman" panose="02020603050405020304" pitchFamily="18" charset="0"/>
+              </a:rPr>
+              <a:t>versus sociable </a:t>
+            </a:r>
+            <a:r>
+              <a:rPr lang="en-US" sz="2400" b="1" i="0" dirty="0">
+                <a:solidFill>
+                  <a:srgbClr val="000000"/>
+                </a:solidFill>
+                <a:effectLst/>
+                <a:latin typeface="Times New Roman" panose="02020603050405020304" pitchFamily="18" charset="0"/>
+              </a:rPr>
+              <a:t>person</a:t>
             </a:r>
             <a:r>
               <a:rPr lang="en-US" sz="2400" b="0" i="0" dirty="0">
@@ -4035,7 +4060,7 @@
           <a:p>
             <a:fld id="{C0FAE9A0-6919-46F9-A274-036017E5E5C4}" type="datetime1">
               <a:rPr lang="en-US" smtClean="0"/>
-              <a:t>3/16/2022</a:t>
+              <a:t>3/26/2022</a:t>
             </a:fld>
             <a:endParaRPr lang="en-US"/>
           </a:p>
@@ -4116,7 +4141,12 @@
             <p:ph type="title"/>
           </p:nvPr>
         </p:nvSpPr>
-        <p:spPr/>
+        <p:spPr>
+          <a:xfrm>
+            <a:off x="838200" y="318472"/>
+            <a:ext cx="10515600" cy="1325563"/>
+          </a:xfrm>
+        </p:spPr>
         <p:txBody>
           <a:bodyPr/>
           <a:lstStyle/>
@@ -4176,7 +4206,7 @@
           <a:p>
             <a:fld id="{C0FAE9A0-6919-46F9-A274-036017E5E5C4}" type="datetime1">
               <a:rPr lang="en-US" smtClean="0"/>
-              <a:t>3/16/2022</a:t>
+              <a:t>3/26/2022</a:t>
             </a:fld>
             <a:endParaRPr lang="en-US"/>
           </a:p>
@@ -4240,7 +4270,7 @@
         </p:blipFill>
         <p:spPr bwMode="auto">
           <a:xfrm>
-            <a:off x="1090979" y="1997581"/>
+            <a:off x="1090979" y="2044234"/>
             <a:ext cx="2819400" cy="2943225"/>
           </a:xfrm>
           <a:prstGeom prst="rect">
@@ -4492,7 +4522,7 @@
           <a:p>
             <a:fld id="{C0FAE9A0-6919-46F9-A274-036017E5E5C4}" type="datetime1">
               <a:rPr lang="en-US" smtClean="0"/>
-              <a:t>3/16/2022</a:t>
+              <a:t>3/26/2022</a:t>
             </a:fld>
             <a:endParaRPr lang="en-US"/>
           </a:p>
@@ -4725,7 +4755,7 @@
           <a:p>
             <a:fld id="{C0FAE9A0-6919-46F9-A274-036017E5E5C4}" type="datetime1">
               <a:rPr lang="en-US" smtClean="0"/>
-              <a:t>3/16/2022</a:t>
+              <a:t>3/26/2022</a:t>
             </a:fld>
             <a:endParaRPr lang="en-US"/>
           </a:p>
@@ -5037,7 +5067,7 @@
           <a:p>
             <a:fld id="{C0FAE9A0-6919-46F9-A274-036017E5E5C4}" type="datetime1">
               <a:rPr lang="en-US" smtClean="0"/>
-              <a:t>3/16/2022</a:t>
+              <a:t>3/26/2022</a:t>
             </a:fld>
             <a:endParaRPr lang="en-US"/>
           </a:p>
@@ -5270,7 +5300,7 @@
           <a:p>
             <a:fld id="{5867A4DB-7FAC-4819-8BFE-632D0D3212F2}" type="datetime1">
               <a:rPr lang="en-US" smtClean="0"/>
-              <a:t>3/16/2022</a:t>
+              <a:t>3/26/2022</a:t>
             </a:fld>
             <a:endParaRPr lang="en-US"/>
           </a:p>
@@ -5543,7 +5573,7 @@
           <a:p>
             <a:fld id="{00FB4EB7-89E6-49D5-8309-9946591F38C8}" type="datetime1">
               <a:rPr lang="en-US" smtClean="0"/>
-              <a:t>3/16/2022</a:t>
+              <a:t>3/26/2022</a:t>
             </a:fld>
             <a:endParaRPr lang="en-US"/>
           </a:p>
@@ -5839,7 +5869,7 @@
           <a:p>
             <a:fld id="{C0FAE9A0-6919-46F9-A274-036017E5E5C4}" type="datetime1">
               <a:rPr lang="en-US" smtClean="0"/>
-              <a:t>3/16/2022</a:t>
+              <a:t>3/26/2022</a:t>
             </a:fld>
             <a:endParaRPr lang="en-US"/>
           </a:p>
@@ -6073,7 +6103,7 @@
           <a:p>
             <a:fld id="{C4D3A511-9290-40AA-A83D-9A4A381227F0}" type="datetime1">
               <a:rPr lang="en-US" smtClean="0"/>
-              <a:t>3/16/2022</a:t>
+              <a:t>3/26/2022</a:t>
             </a:fld>
             <a:endParaRPr lang="en-US"/>
           </a:p>
@@ -6275,7 +6305,7 @@
           <a:p>
             <a:fld id="{336A0998-FDF3-4310-886C-944E63EDBB86}" type="datetime1">
               <a:rPr lang="en-US" smtClean="0"/>
-              <a:t>3/16/2022</a:t>
+              <a:t>3/26/2022</a:t>
             </a:fld>
             <a:endParaRPr lang="en-US"/>
           </a:p>
@@ -6436,7 +6466,7 @@
           <a:p>
             <a:fld id="{C0FAE9A0-6919-46F9-A274-036017E5E5C4}" type="datetime1">
               <a:rPr lang="en-US" smtClean="0"/>
-              <a:t>3/16/2022</a:t>
+              <a:t>3/26/2022</a:t>
             </a:fld>
             <a:endParaRPr lang="en-US"/>
           </a:p>
@@ -6957,7 +6987,7 @@
                   <a:spcPts val="600"/>
                 </a:spcAft>
               </a:pPr>
-              <a:t>3/16/2022</a:t>
+              <a:t>3/26/2022</a:t>
             </a:fld>
             <a:endParaRPr lang="en-US" sz="1050">
               <a:solidFill>
@@ -7411,7 +7441,7 @@
                   <a:spcPts val="600"/>
                 </a:spcAft>
               </a:pPr>
-              <a:t>3/16/2022</a:t>
+              <a:t>3/26/2022</a:t>
             </a:fld>
             <a:endParaRPr lang="en-US"/>
           </a:p>
